--- a/powerpoint/Session2.pptx
+++ b/powerpoint/Session2.pptx
@@ -142,908 +142,6 @@
 </p:presentation>
 </file>
 
-<file path=ppt/changesInfos/changesInfo1.xml><?xml version="1.0" encoding="utf-8"?>
-<pc:chgInfo xmlns:a="http://schemas.openxmlformats.org/drawingml/2006/main" xmlns:r="http://schemas.openxmlformats.org/officeDocument/2006/relationships" xmlns:ac="http://schemas.microsoft.com/office/drawing/2013/main/command" xmlns:pc="http://schemas.microsoft.com/office/powerpoint/2013/main/command">
-  <pc:docChgLst>
-    <pc:chgData name="Srinivasa Rao" userId="a6b54366-f13d-4292-8bb4-f06c50909b1e" providerId="ADAL" clId="{CF7D4108-D40D-A74D-804B-296130AF4168}"/>
-    <pc:docChg chg="custSel addSld modSld sldOrd">
-      <pc:chgData name="Srinivasa Rao" userId="a6b54366-f13d-4292-8bb4-f06c50909b1e" providerId="ADAL" clId="{CF7D4108-D40D-A74D-804B-296130AF4168}" dt="2023-10-11T11:42:12.383" v="70" actId="20577"/>
-      <pc:docMkLst>
-        <pc:docMk/>
-      </pc:docMkLst>
-      <pc:sldChg chg="modSp mod">
-        <pc:chgData name="Srinivasa Rao" userId="a6b54366-f13d-4292-8bb4-f06c50909b1e" providerId="ADAL" clId="{CF7D4108-D40D-A74D-804B-296130AF4168}" dt="2023-10-10T07:57:21.749" v="3" actId="27636"/>
-        <pc:sldMkLst>
-          <pc:docMk/>
-          <pc:sldMk cId="0" sldId="256"/>
-        </pc:sldMkLst>
-        <pc:spChg chg="mod">
-          <ac:chgData name="Srinivasa Rao" userId="a6b54366-f13d-4292-8bb4-f06c50909b1e" providerId="ADAL" clId="{CF7D4108-D40D-A74D-804B-296130AF4168}" dt="2023-10-10T07:57:21.749" v="3" actId="27636"/>
-          <ac:spMkLst>
-            <pc:docMk/>
-            <pc:sldMk cId="0" sldId="256"/>
-            <ac:spMk id="228" creationId="{00000000-0000-0000-0000-000000000000}"/>
-          </ac:spMkLst>
-        </pc:spChg>
-        <pc:spChg chg="mod">
-          <ac:chgData name="Srinivasa Rao" userId="a6b54366-f13d-4292-8bb4-f06c50909b1e" providerId="ADAL" clId="{CF7D4108-D40D-A74D-804B-296130AF4168}" dt="2023-10-10T07:57:07.155" v="0"/>
-          <ac:spMkLst>
-            <pc:docMk/>
-            <pc:sldMk cId="0" sldId="256"/>
-            <ac:spMk id="229" creationId="{00000000-0000-0000-0000-000000000000}"/>
-          </ac:spMkLst>
-        </pc:spChg>
-      </pc:sldChg>
-      <pc:sldChg chg="modSp mod">
-        <pc:chgData name="Srinivasa Rao" userId="a6b54366-f13d-4292-8bb4-f06c50909b1e" providerId="ADAL" clId="{CF7D4108-D40D-A74D-804B-296130AF4168}" dt="2023-10-10T07:57:21.726" v="2" actId="27636"/>
-        <pc:sldMkLst>
-          <pc:docMk/>
-          <pc:sldMk cId="0" sldId="260"/>
-        </pc:sldMkLst>
-        <pc:spChg chg="mod">
-          <ac:chgData name="Srinivasa Rao" userId="a6b54366-f13d-4292-8bb4-f06c50909b1e" providerId="ADAL" clId="{CF7D4108-D40D-A74D-804B-296130AF4168}" dt="2023-10-10T07:57:21.726" v="2" actId="27636"/>
-          <ac:spMkLst>
-            <pc:docMk/>
-            <pc:sldMk cId="0" sldId="260"/>
-            <ac:spMk id="239" creationId="{00000000-0000-0000-0000-000000000000}"/>
-          </ac:spMkLst>
-        </pc:spChg>
-      </pc:sldChg>
-      <pc:sldChg chg="modSp mod">
-        <pc:chgData name="Srinivasa Rao" userId="a6b54366-f13d-4292-8bb4-f06c50909b1e" providerId="ADAL" clId="{CF7D4108-D40D-A74D-804B-296130AF4168}" dt="2023-10-11T11:42:12.383" v="70" actId="20577"/>
-        <pc:sldMkLst>
-          <pc:docMk/>
-          <pc:sldMk cId="0" sldId="272"/>
-        </pc:sldMkLst>
-        <pc:spChg chg="mod">
-          <ac:chgData name="Srinivasa Rao" userId="a6b54366-f13d-4292-8bb4-f06c50909b1e" providerId="ADAL" clId="{CF7D4108-D40D-A74D-804B-296130AF4168}" dt="2023-10-11T11:42:12.383" v="70" actId="20577"/>
-          <ac:spMkLst>
-            <pc:docMk/>
-            <pc:sldMk cId="0" sldId="272"/>
-            <ac:spMk id="287" creationId="{00000000-0000-0000-0000-000000000000}"/>
-          </ac:spMkLst>
-        </pc:spChg>
-      </pc:sldChg>
-      <pc:sldChg chg="modSp add mod ord">
-        <pc:chgData name="Srinivasa Rao" userId="a6b54366-f13d-4292-8bb4-f06c50909b1e" providerId="ADAL" clId="{CF7D4108-D40D-A74D-804B-296130AF4168}" dt="2023-10-10T07:57:48.161" v="68" actId="20577"/>
-        <pc:sldMkLst>
-          <pc:docMk/>
-          <pc:sldMk cId="0" sldId="276"/>
-        </pc:sldMkLst>
-        <pc:spChg chg="mod">
-          <ac:chgData name="Srinivasa Rao" userId="a6b54366-f13d-4292-8bb4-f06c50909b1e" providerId="ADAL" clId="{CF7D4108-D40D-A74D-804B-296130AF4168}" dt="2023-10-10T07:57:48.161" v="68" actId="20577"/>
-          <ac:spMkLst>
-            <pc:docMk/>
-            <pc:sldMk cId="0" sldId="276"/>
-            <ac:spMk id="228" creationId="{00000000-0000-0000-0000-000000000000}"/>
-          </ac:spMkLst>
-        </pc:spChg>
-      </pc:sldChg>
-    </pc:docChg>
-  </pc:docChgLst>
-  <pc:docChgLst>
-    <pc:chgData name="Srinivasa Rao" userId="a6b54366-f13d-4292-8bb4-f06c50909b1e" providerId="ADAL" clId="{4C45BD14-0AEB-784A-8058-BFAF9E8F22F7}"/>
-    <pc:docChg chg="addSld delSld modSld">
-      <pc:chgData name="Srinivasa Rao" userId="a6b54366-f13d-4292-8bb4-f06c50909b1e" providerId="ADAL" clId="{4C45BD14-0AEB-784A-8058-BFAF9E8F22F7}" dt="2024-02-04T21:28:34.542" v="21" actId="20577"/>
-      <pc:docMkLst>
-        <pc:docMk/>
-      </pc:docMkLst>
-      <pc:sldChg chg="modSp mod">
-        <pc:chgData name="Srinivasa Rao" userId="a6b54366-f13d-4292-8bb4-f06c50909b1e" providerId="ADAL" clId="{4C45BD14-0AEB-784A-8058-BFAF9E8F22F7}" dt="2024-02-04T21:28:34.542" v="21" actId="20577"/>
-        <pc:sldMkLst>
-          <pc:docMk/>
-          <pc:sldMk cId="0" sldId="256"/>
-        </pc:sldMkLst>
-        <pc:spChg chg="mod">
-          <ac:chgData name="Srinivasa Rao" userId="a6b54366-f13d-4292-8bb4-f06c50909b1e" providerId="ADAL" clId="{4C45BD14-0AEB-784A-8058-BFAF9E8F22F7}" dt="2024-02-04T21:28:34.542" v="21" actId="20577"/>
-          <ac:spMkLst>
-            <pc:docMk/>
-            <pc:sldMk cId="0" sldId="256"/>
-            <ac:spMk id="229" creationId="{00000000-0000-0000-0000-000000000000}"/>
-          </ac:spMkLst>
-        </pc:spChg>
-      </pc:sldChg>
-      <pc:sldChg chg="del">
-        <pc:chgData name="Srinivasa Rao" userId="a6b54366-f13d-4292-8bb4-f06c50909b1e" providerId="ADAL" clId="{4C45BD14-0AEB-784A-8058-BFAF9E8F22F7}" dt="2024-02-04T21:26:54.646" v="10" actId="2696"/>
-        <pc:sldMkLst>
-          <pc:docMk/>
-          <pc:sldMk cId="0" sldId="259"/>
-        </pc:sldMkLst>
-      </pc:sldChg>
-      <pc:sldChg chg="del">
-        <pc:chgData name="Srinivasa Rao" userId="a6b54366-f13d-4292-8bb4-f06c50909b1e" providerId="ADAL" clId="{4C45BD14-0AEB-784A-8058-BFAF9E8F22F7}" dt="2024-02-04T21:26:54.656" v="14" actId="2696"/>
-        <pc:sldMkLst>
-          <pc:docMk/>
-          <pc:sldMk cId="0" sldId="260"/>
-        </pc:sldMkLst>
-      </pc:sldChg>
-      <pc:sldChg chg="del">
-        <pc:chgData name="Srinivasa Rao" userId="a6b54366-f13d-4292-8bb4-f06c50909b1e" providerId="ADAL" clId="{4C45BD14-0AEB-784A-8058-BFAF9E8F22F7}" dt="2024-02-04T21:26:54.650" v="13" actId="2696"/>
-        <pc:sldMkLst>
-          <pc:docMk/>
-          <pc:sldMk cId="0" sldId="261"/>
-        </pc:sldMkLst>
-      </pc:sldChg>
-      <pc:sldChg chg="del">
-        <pc:chgData name="Srinivasa Rao" userId="a6b54366-f13d-4292-8bb4-f06c50909b1e" providerId="ADAL" clId="{4C45BD14-0AEB-784A-8058-BFAF9E8F22F7}" dt="2024-02-04T21:26:54.649" v="12" actId="2696"/>
-        <pc:sldMkLst>
-          <pc:docMk/>
-          <pc:sldMk cId="0" sldId="262"/>
-        </pc:sldMkLst>
-      </pc:sldChg>
-      <pc:sldChg chg="del">
-        <pc:chgData name="Srinivasa Rao" userId="a6b54366-f13d-4292-8bb4-f06c50909b1e" providerId="ADAL" clId="{4C45BD14-0AEB-784A-8058-BFAF9E8F22F7}" dt="2024-02-04T21:26:54.647" v="11" actId="2696"/>
-        <pc:sldMkLst>
-          <pc:docMk/>
-          <pc:sldMk cId="0" sldId="263"/>
-        </pc:sldMkLst>
-      </pc:sldChg>
-      <pc:sldChg chg="modSp mod">
-        <pc:chgData name="Srinivasa Rao" userId="a6b54366-f13d-4292-8bb4-f06c50909b1e" providerId="ADAL" clId="{4C45BD14-0AEB-784A-8058-BFAF9E8F22F7}" dt="2024-02-04T21:28:25.952" v="19" actId="20577"/>
-        <pc:sldMkLst>
-          <pc:docMk/>
-          <pc:sldMk cId="0" sldId="276"/>
-        </pc:sldMkLst>
-        <pc:spChg chg="mod">
-          <ac:chgData name="Srinivasa Rao" userId="a6b54366-f13d-4292-8bb4-f06c50909b1e" providerId="ADAL" clId="{4C45BD14-0AEB-784A-8058-BFAF9E8F22F7}" dt="2024-02-04T21:28:25.952" v="19" actId="20577"/>
-          <ac:spMkLst>
-            <pc:docMk/>
-            <pc:sldMk cId="0" sldId="276"/>
-            <ac:spMk id="229" creationId="{00000000-0000-0000-0000-000000000000}"/>
-          </ac:spMkLst>
-        </pc:spChg>
-      </pc:sldChg>
-      <pc:sldChg chg="add setBg">
-        <pc:chgData name="Srinivasa Rao" userId="a6b54366-f13d-4292-8bb4-f06c50909b1e" providerId="ADAL" clId="{4C45BD14-0AEB-784A-8058-BFAF9E8F22F7}" dt="2024-02-04T21:26:40.188" v="9"/>
-        <pc:sldMkLst>
-          <pc:docMk/>
-          <pc:sldMk cId="0" sldId="277"/>
-        </pc:sldMkLst>
-      </pc:sldChg>
-      <pc:sldChg chg="add">
-        <pc:chgData name="Srinivasa Rao" userId="a6b54366-f13d-4292-8bb4-f06c50909b1e" providerId="ADAL" clId="{4C45BD14-0AEB-784A-8058-BFAF9E8F22F7}" dt="2024-02-04T21:26:40.188" v="9"/>
-        <pc:sldMkLst>
-          <pc:docMk/>
-          <pc:sldMk cId="1657383497" sldId="325"/>
-        </pc:sldMkLst>
-      </pc:sldChg>
-      <pc:sldChg chg="add">
-        <pc:chgData name="Srinivasa Rao" userId="a6b54366-f13d-4292-8bb4-f06c50909b1e" providerId="ADAL" clId="{4C45BD14-0AEB-784A-8058-BFAF9E8F22F7}" dt="2024-02-04T21:26:40.188" v="9"/>
-        <pc:sldMkLst>
-          <pc:docMk/>
-          <pc:sldMk cId="2482569735" sldId="326"/>
-        </pc:sldMkLst>
-      </pc:sldChg>
-      <pc:sldChg chg="add">
-        <pc:chgData name="Srinivasa Rao" userId="a6b54366-f13d-4292-8bb4-f06c50909b1e" providerId="ADAL" clId="{4C45BD14-0AEB-784A-8058-BFAF9E8F22F7}" dt="2024-02-04T21:26:40.188" v="9"/>
-        <pc:sldMkLst>
-          <pc:docMk/>
-          <pc:sldMk cId="2660054665" sldId="328"/>
-        </pc:sldMkLst>
-      </pc:sldChg>
-      <pc:sldChg chg="add">
-        <pc:chgData name="Srinivasa Rao" userId="a6b54366-f13d-4292-8bb4-f06c50909b1e" providerId="ADAL" clId="{4C45BD14-0AEB-784A-8058-BFAF9E8F22F7}" dt="2024-02-04T21:26:40.188" v="9"/>
-        <pc:sldMkLst>
-          <pc:docMk/>
-          <pc:sldMk cId="0" sldId="329"/>
-        </pc:sldMkLst>
-      </pc:sldChg>
-      <pc:sldChg chg="add">
-        <pc:chgData name="Srinivasa Rao" userId="a6b54366-f13d-4292-8bb4-f06c50909b1e" providerId="ADAL" clId="{4C45BD14-0AEB-784A-8058-BFAF9E8F22F7}" dt="2024-02-04T21:26:40.188" v="9"/>
-        <pc:sldMkLst>
-          <pc:docMk/>
-          <pc:sldMk cId="1131625422" sldId="331"/>
-        </pc:sldMkLst>
-      </pc:sldChg>
-      <pc:sldChg chg="add">
-        <pc:chgData name="Srinivasa Rao" userId="a6b54366-f13d-4292-8bb4-f06c50909b1e" providerId="ADAL" clId="{4C45BD14-0AEB-784A-8058-BFAF9E8F22F7}" dt="2024-02-04T21:26:40.188" v="9"/>
-        <pc:sldMkLst>
-          <pc:docMk/>
-          <pc:sldMk cId="71576005" sldId="335"/>
-        </pc:sldMkLst>
-      </pc:sldChg>
-    </pc:docChg>
-  </pc:docChgLst>
-  <pc:docChgLst>
-    <pc:chgData name="Srinivasa Rao" userId="a6b54366-f13d-4292-8bb4-f06c50909b1e" providerId="ADAL" clId="{B3716CF2-0AC1-444F-B920-1AD18E82A335}"/>
-    <pc:docChg chg="undo custSel modSld">
-      <pc:chgData name="Srinivasa Rao" userId="a6b54366-f13d-4292-8bb4-f06c50909b1e" providerId="ADAL" clId="{B3716CF2-0AC1-444F-B920-1AD18E82A335}" dt="2024-11-11T11:22:59.167" v="3"/>
-      <pc:docMkLst>
-        <pc:docMk/>
-      </pc:docMkLst>
-      <pc:sldChg chg="addSp delSp modSp mod">
-        <pc:chgData name="Srinivasa Rao" userId="a6b54366-f13d-4292-8bb4-f06c50909b1e" providerId="ADAL" clId="{B3716CF2-0AC1-444F-B920-1AD18E82A335}" dt="2024-11-11T11:22:59.167" v="3"/>
-        <pc:sldMkLst>
-          <pc:docMk/>
-          <pc:sldMk cId="0" sldId="256"/>
-        </pc:sldMkLst>
-        <pc:spChg chg="add del">
-          <ac:chgData name="Srinivasa Rao" userId="a6b54366-f13d-4292-8bb4-f06c50909b1e" providerId="ADAL" clId="{B3716CF2-0AC1-444F-B920-1AD18E82A335}" dt="2024-11-11T11:22:56.539" v="2" actId="22"/>
-          <ac:spMkLst>
-            <pc:docMk/>
-            <pc:sldMk cId="0" sldId="256"/>
-            <ac:spMk id="3" creationId="{48DCA00D-368E-4B73-22FF-D2E17E59217D}"/>
-          </ac:spMkLst>
-        </pc:spChg>
-        <pc:spChg chg="mod">
-          <ac:chgData name="Srinivasa Rao" userId="a6b54366-f13d-4292-8bb4-f06c50909b1e" providerId="ADAL" clId="{B3716CF2-0AC1-444F-B920-1AD18E82A335}" dt="2024-11-11T11:22:59.167" v="3"/>
-          <ac:spMkLst>
-            <pc:docMk/>
-            <pc:sldMk cId="0" sldId="256"/>
-            <ac:spMk id="229" creationId="{00000000-0000-0000-0000-000000000000}"/>
-          </ac:spMkLst>
-        </pc:spChg>
-      </pc:sldChg>
-      <pc:sldChg chg="modSp mod">
-        <pc:chgData name="Srinivasa Rao" userId="a6b54366-f13d-4292-8bb4-f06c50909b1e" providerId="ADAL" clId="{B3716CF2-0AC1-444F-B920-1AD18E82A335}" dt="2024-11-11T11:22:50.908" v="0"/>
-        <pc:sldMkLst>
-          <pc:docMk/>
-          <pc:sldMk cId="0" sldId="276"/>
-        </pc:sldMkLst>
-        <pc:spChg chg="mod">
-          <ac:chgData name="Srinivasa Rao" userId="a6b54366-f13d-4292-8bb4-f06c50909b1e" providerId="ADAL" clId="{B3716CF2-0AC1-444F-B920-1AD18E82A335}" dt="2024-11-11T11:22:50.908" v="0"/>
-          <ac:spMkLst>
-            <pc:docMk/>
-            <pc:sldMk cId="0" sldId="276"/>
-            <ac:spMk id="229" creationId="{00000000-0000-0000-0000-000000000000}"/>
-          </ac:spMkLst>
-        </pc:spChg>
-      </pc:sldChg>
-    </pc:docChg>
-  </pc:docChgLst>
-  <pc:docChgLst>
-    <pc:chgData name="Srinivasa Rao" userId="a6b54366-f13d-4292-8bb4-f06c50909b1e" providerId="ADAL" clId="{385DF428-08F5-EA40-8E12-3B8141233526}"/>
-    <pc:docChg chg="custSel modSld">
-      <pc:chgData name="Srinivasa Rao" userId="a6b54366-f13d-4292-8bb4-f06c50909b1e" providerId="ADAL" clId="{385DF428-08F5-EA40-8E12-3B8141233526}" dt="2024-01-22T20:30:41.648" v="473" actId="478"/>
-      <pc:docMkLst>
-        <pc:docMk/>
-      </pc:docMkLst>
-      <pc:sldChg chg="addSp delSp modSp mod modAnim">
-        <pc:chgData name="Srinivasa Rao" userId="a6b54366-f13d-4292-8bb4-f06c50909b1e" providerId="ADAL" clId="{385DF428-08F5-EA40-8E12-3B8141233526}" dt="2024-01-22T20:04:00.522" v="98"/>
-        <pc:sldMkLst>
-          <pc:docMk/>
-          <pc:sldMk cId="0" sldId="259"/>
-        </pc:sldMkLst>
-        <pc:spChg chg="add mod">
-          <ac:chgData name="Srinivasa Rao" userId="a6b54366-f13d-4292-8bb4-f06c50909b1e" providerId="ADAL" clId="{385DF428-08F5-EA40-8E12-3B8141233526}" dt="2024-01-22T20:03:11.096" v="88" actId="1037"/>
-          <ac:spMkLst>
-            <pc:docMk/>
-            <pc:sldMk cId="0" sldId="259"/>
-            <ac:spMk id="2" creationId="{4AEDAC86-9CF1-9124-0E11-A8229DFE9BBF}"/>
-          </ac:spMkLst>
-        </pc:spChg>
-        <pc:spChg chg="add mod">
-          <ac:chgData name="Srinivasa Rao" userId="a6b54366-f13d-4292-8bb4-f06c50909b1e" providerId="ADAL" clId="{385DF428-08F5-EA40-8E12-3B8141233526}" dt="2024-01-22T20:03:11.096" v="88" actId="1037"/>
-          <ac:spMkLst>
-            <pc:docMk/>
-            <pc:sldMk cId="0" sldId="259"/>
-            <ac:spMk id="3" creationId="{71C6A929-9A26-B46B-9A09-A39B6B4EAB19}"/>
-          </ac:spMkLst>
-        </pc:spChg>
-        <pc:spChg chg="add mod">
-          <ac:chgData name="Srinivasa Rao" userId="a6b54366-f13d-4292-8bb4-f06c50909b1e" providerId="ADAL" clId="{385DF428-08F5-EA40-8E12-3B8141233526}" dt="2024-01-22T20:03:11.096" v="88" actId="1037"/>
-          <ac:spMkLst>
-            <pc:docMk/>
-            <pc:sldMk cId="0" sldId="259"/>
-            <ac:spMk id="9" creationId="{8CB16B1E-82A3-2FEE-BFCE-AC5FE4B281B3}"/>
-          </ac:spMkLst>
-        </pc:spChg>
-        <pc:spChg chg="add mod">
-          <ac:chgData name="Srinivasa Rao" userId="a6b54366-f13d-4292-8bb4-f06c50909b1e" providerId="ADAL" clId="{385DF428-08F5-EA40-8E12-3B8141233526}" dt="2024-01-22T20:03:53.907" v="97" actId="14100"/>
-          <ac:spMkLst>
-            <pc:docMk/>
-            <pc:sldMk cId="0" sldId="259"/>
-            <ac:spMk id="22" creationId="{48A18897-1BC6-78F3-6C02-0C186E9273C9}"/>
-          </ac:spMkLst>
-        </pc:spChg>
-        <pc:picChg chg="del mod">
-          <ac:chgData name="Srinivasa Rao" userId="a6b54366-f13d-4292-8bb4-f06c50909b1e" providerId="ADAL" clId="{385DF428-08F5-EA40-8E12-3B8141233526}" dt="2024-01-22T20:02:23.191" v="52" actId="478"/>
-          <ac:picMkLst>
-            <pc:docMk/>
-            <pc:sldMk cId="0" sldId="259"/>
-            <ac:picMk id="236" creationId="{00000000-0000-0000-0000-000000000000}"/>
-          </ac:picMkLst>
-        </pc:picChg>
-        <pc:cxnChg chg="add mod">
-          <ac:chgData name="Srinivasa Rao" userId="a6b54366-f13d-4292-8bb4-f06c50909b1e" providerId="ADAL" clId="{385DF428-08F5-EA40-8E12-3B8141233526}" dt="2024-01-22T20:03:11.096" v="88" actId="1037"/>
-          <ac:cxnSpMkLst>
-            <pc:docMk/>
-            <pc:sldMk cId="0" sldId="259"/>
-            <ac:cxnSpMk id="5" creationId="{E93AC290-10D5-DD5B-FDB9-34E2FCCD7D9E}"/>
-          </ac:cxnSpMkLst>
-        </pc:cxnChg>
-        <pc:cxnChg chg="add mod">
-          <ac:chgData name="Srinivasa Rao" userId="a6b54366-f13d-4292-8bb4-f06c50909b1e" providerId="ADAL" clId="{385DF428-08F5-EA40-8E12-3B8141233526}" dt="2024-01-22T20:03:11.096" v="88" actId="1037"/>
-          <ac:cxnSpMkLst>
-            <pc:docMk/>
-            <pc:sldMk cId="0" sldId="259"/>
-            <ac:cxnSpMk id="7" creationId="{3B41C19F-11DE-2D4C-831B-0848F8C63999}"/>
-          </ac:cxnSpMkLst>
-        </pc:cxnChg>
-        <pc:cxnChg chg="add mod">
-          <ac:chgData name="Srinivasa Rao" userId="a6b54366-f13d-4292-8bb4-f06c50909b1e" providerId="ADAL" clId="{385DF428-08F5-EA40-8E12-3B8141233526}" dt="2024-01-22T20:03:11.096" v="88" actId="1037"/>
-          <ac:cxnSpMkLst>
-            <pc:docMk/>
-            <pc:sldMk cId="0" sldId="259"/>
-            <ac:cxnSpMk id="10" creationId="{C28287E6-DF3C-8ABB-EC22-97879B7DE677}"/>
-          </ac:cxnSpMkLst>
-        </pc:cxnChg>
-        <pc:cxnChg chg="add mod">
-          <ac:chgData name="Srinivasa Rao" userId="a6b54366-f13d-4292-8bb4-f06c50909b1e" providerId="ADAL" clId="{385DF428-08F5-EA40-8E12-3B8141233526}" dt="2024-01-22T20:03:11.096" v="88" actId="1037"/>
-          <ac:cxnSpMkLst>
-            <pc:docMk/>
-            <pc:sldMk cId="0" sldId="259"/>
-            <ac:cxnSpMk id="13" creationId="{55F776A6-B600-5EA0-8499-850C0E374D69}"/>
-          </ac:cxnSpMkLst>
-        </pc:cxnChg>
-        <pc:cxnChg chg="add mod">
-          <ac:chgData name="Srinivasa Rao" userId="a6b54366-f13d-4292-8bb4-f06c50909b1e" providerId="ADAL" clId="{385DF428-08F5-EA40-8E12-3B8141233526}" dt="2024-01-22T20:03:11.096" v="88" actId="1037"/>
-          <ac:cxnSpMkLst>
-            <pc:docMk/>
-            <pc:sldMk cId="0" sldId="259"/>
-            <ac:cxnSpMk id="19" creationId="{0206CDD4-CB51-F4F6-B6BB-6912D9347270}"/>
-          </ac:cxnSpMkLst>
-        </pc:cxnChg>
-      </pc:sldChg>
-      <pc:sldChg chg="addSp delSp modSp mod delAnim modAnim">
-        <pc:chgData name="Srinivasa Rao" userId="a6b54366-f13d-4292-8bb4-f06c50909b1e" providerId="ADAL" clId="{385DF428-08F5-EA40-8E12-3B8141233526}" dt="2024-01-22T20:28:23.497" v="462" actId="20577"/>
-        <pc:sldMkLst>
-          <pc:docMk/>
-          <pc:sldMk cId="0" sldId="260"/>
-        </pc:sldMkLst>
-        <pc:spChg chg="add mod topLvl">
-          <ac:chgData name="Srinivasa Rao" userId="a6b54366-f13d-4292-8bb4-f06c50909b1e" providerId="ADAL" clId="{385DF428-08F5-EA40-8E12-3B8141233526}" dt="2024-01-22T20:10:10.232" v="164" actId="1038"/>
-          <ac:spMkLst>
-            <pc:docMk/>
-            <pc:sldMk cId="0" sldId="260"/>
-            <ac:spMk id="2" creationId="{F7638E05-D6C2-ED93-6ED8-39D99866195F}"/>
-          </ac:spMkLst>
-        </pc:spChg>
-        <pc:spChg chg="add mod topLvl">
-          <ac:chgData name="Srinivasa Rao" userId="a6b54366-f13d-4292-8bb4-f06c50909b1e" providerId="ADAL" clId="{385DF428-08F5-EA40-8E12-3B8141233526}" dt="2024-01-22T20:28:20.789" v="460" actId="20577"/>
-          <ac:spMkLst>
-            <pc:docMk/>
-            <pc:sldMk cId="0" sldId="260"/>
-            <ac:spMk id="3" creationId="{2E49A6AB-3B8C-7884-D42F-D99D6565ECFB}"/>
-          </ac:spMkLst>
-        </pc:spChg>
-        <pc:spChg chg="add mod topLvl">
-          <ac:chgData name="Srinivasa Rao" userId="a6b54366-f13d-4292-8bb4-f06c50909b1e" providerId="ADAL" clId="{385DF428-08F5-EA40-8E12-3B8141233526}" dt="2024-01-22T20:10:10.232" v="164" actId="1038"/>
-          <ac:spMkLst>
-            <pc:docMk/>
-            <pc:sldMk cId="0" sldId="260"/>
-            <ac:spMk id="6" creationId="{791F515A-91E7-93F7-B72E-010D909B377C}"/>
-          </ac:spMkLst>
-        </pc:spChg>
-        <pc:spChg chg="add mod topLvl">
-          <ac:chgData name="Srinivasa Rao" userId="a6b54366-f13d-4292-8bb4-f06c50909b1e" providerId="ADAL" clId="{385DF428-08F5-EA40-8E12-3B8141233526}" dt="2024-01-22T20:10:10.232" v="164" actId="1038"/>
-          <ac:spMkLst>
-            <pc:docMk/>
-            <pc:sldMk cId="0" sldId="260"/>
-            <ac:spMk id="10" creationId="{43926CDF-0776-B87F-3816-1701A6108A9D}"/>
-          </ac:spMkLst>
-        </pc:spChg>
-        <pc:spChg chg="add mod topLvl">
-          <ac:chgData name="Srinivasa Rao" userId="a6b54366-f13d-4292-8bb4-f06c50909b1e" providerId="ADAL" clId="{385DF428-08F5-EA40-8E12-3B8141233526}" dt="2024-01-22T20:28:23.497" v="462" actId="20577"/>
-          <ac:spMkLst>
-            <pc:docMk/>
-            <pc:sldMk cId="0" sldId="260"/>
-            <ac:spMk id="11" creationId="{B2FB4E21-BE4D-9F5B-7699-88EE36BBFAFE}"/>
-          </ac:spMkLst>
-        </pc:spChg>
-        <pc:spChg chg="mod topLvl">
-          <ac:chgData name="Srinivasa Rao" userId="a6b54366-f13d-4292-8bb4-f06c50909b1e" providerId="ADAL" clId="{385DF428-08F5-EA40-8E12-3B8141233526}" dt="2024-01-22T20:10:10.232" v="164" actId="1038"/>
-          <ac:spMkLst>
-            <pc:docMk/>
-            <pc:sldMk cId="0" sldId="260"/>
-            <ac:spMk id="242" creationId="{00000000-0000-0000-0000-000000000000}"/>
-          </ac:spMkLst>
-        </pc:spChg>
-        <pc:spChg chg="mod topLvl">
-          <ac:chgData name="Srinivasa Rao" userId="a6b54366-f13d-4292-8bb4-f06c50909b1e" providerId="ADAL" clId="{385DF428-08F5-EA40-8E12-3B8141233526}" dt="2024-01-22T20:10:10.232" v="164" actId="1038"/>
-          <ac:spMkLst>
-            <pc:docMk/>
-            <pc:sldMk cId="0" sldId="260"/>
-            <ac:spMk id="243" creationId="{00000000-0000-0000-0000-000000000000}"/>
-          </ac:spMkLst>
-        </pc:spChg>
-        <pc:grpChg chg="add del mod">
-          <ac:chgData name="Srinivasa Rao" userId="a6b54366-f13d-4292-8bb4-f06c50909b1e" providerId="ADAL" clId="{385DF428-08F5-EA40-8E12-3B8141233526}" dt="2024-01-22T20:09:26.483" v="152" actId="165"/>
-          <ac:grpSpMkLst>
-            <pc:docMk/>
-            <pc:sldMk cId="0" sldId="260"/>
-            <ac:grpSpMk id="16" creationId="{7CAF9601-123B-A2F7-9D2F-38C0FB4A5C10}"/>
-          </ac:grpSpMkLst>
-        </pc:grpChg>
-        <pc:picChg chg="del mod">
-          <ac:chgData name="Srinivasa Rao" userId="a6b54366-f13d-4292-8bb4-f06c50909b1e" providerId="ADAL" clId="{385DF428-08F5-EA40-8E12-3B8141233526}" dt="2024-01-22T20:10:02.713" v="155" actId="478"/>
-          <ac:picMkLst>
-            <pc:docMk/>
-            <pc:sldMk cId="0" sldId="260"/>
-            <ac:picMk id="241" creationId="{00000000-0000-0000-0000-000000000000}"/>
-          </ac:picMkLst>
-        </pc:picChg>
-        <pc:cxnChg chg="add mod topLvl">
-          <ac:chgData name="Srinivasa Rao" userId="a6b54366-f13d-4292-8bb4-f06c50909b1e" providerId="ADAL" clId="{385DF428-08F5-EA40-8E12-3B8141233526}" dt="2024-01-22T20:10:10.232" v="164" actId="1038"/>
-          <ac:cxnSpMkLst>
-            <pc:docMk/>
-            <pc:sldMk cId="0" sldId="260"/>
-            <ac:cxnSpMk id="4" creationId="{4E5C2CFE-134D-B33B-ED88-77DAB66A1E50}"/>
-          </ac:cxnSpMkLst>
-        </pc:cxnChg>
-        <pc:cxnChg chg="add mod topLvl">
-          <ac:chgData name="Srinivasa Rao" userId="a6b54366-f13d-4292-8bb4-f06c50909b1e" providerId="ADAL" clId="{385DF428-08F5-EA40-8E12-3B8141233526}" dt="2024-01-22T20:10:10.232" v="164" actId="1038"/>
-          <ac:cxnSpMkLst>
-            <pc:docMk/>
-            <pc:sldMk cId="0" sldId="260"/>
-            <ac:cxnSpMk id="5" creationId="{2DD3B217-B132-12C0-B5C1-CB918C748CD3}"/>
-          </ac:cxnSpMkLst>
-        </pc:cxnChg>
-        <pc:cxnChg chg="add del mod">
-          <ac:chgData name="Srinivasa Rao" userId="a6b54366-f13d-4292-8bb4-f06c50909b1e" providerId="ADAL" clId="{385DF428-08F5-EA40-8E12-3B8141233526}" dt="2024-01-22T20:06:37.047" v="107" actId="478"/>
-          <ac:cxnSpMkLst>
-            <pc:docMk/>
-            <pc:sldMk cId="0" sldId="260"/>
-            <ac:cxnSpMk id="7" creationId="{B6E1AA71-1033-34A9-5218-27115A6607FF}"/>
-          </ac:cxnSpMkLst>
-        </pc:cxnChg>
-        <pc:cxnChg chg="add mod topLvl">
-          <ac:chgData name="Srinivasa Rao" userId="a6b54366-f13d-4292-8bb4-f06c50909b1e" providerId="ADAL" clId="{385DF428-08F5-EA40-8E12-3B8141233526}" dt="2024-01-22T20:10:10.232" v="164" actId="1038"/>
-          <ac:cxnSpMkLst>
-            <pc:docMk/>
-            <pc:sldMk cId="0" sldId="260"/>
-            <ac:cxnSpMk id="8" creationId="{E3D05710-AA27-EDBE-D6B8-71F7F220BBDD}"/>
-          </ac:cxnSpMkLst>
-        </pc:cxnChg>
-        <pc:cxnChg chg="add mod topLvl">
-          <ac:chgData name="Srinivasa Rao" userId="a6b54366-f13d-4292-8bb4-f06c50909b1e" providerId="ADAL" clId="{385DF428-08F5-EA40-8E12-3B8141233526}" dt="2024-01-22T20:10:10.232" v="164" actId="1038"/>
-          <ac:cxnSpMkLst>
-            <pc:docMk/>
-            <pc:sldMk cId="0" sldId="260"/>
-            <ac:cxnSpMk id="9" creationId="{C2957F95-E39D-5B8A-9F18-3D3D24CD72AD}"/>
-          </ac:cxnSpMkLst>
-        </pc:cxnChg>
-        <pc:cxnChg chg="add mod topLvl">
-          <ac:chgData name="Srinivasa Rao" userId="a6b54366-f13d-4292-8bb4-f06c50909b1e" providerId="ADAL" clId="{385DF428-08F5-EA40-8E12-3B8141233526}" dt="2024-01-22T20:10:10.232" v="164" actId="1038"/>
-          <ac:cxnSpMkLst>
-            <pc:docMk/>
-            <pc:sldMk cId="0" sldId="260"/>
-            <ac:cxnSpMk id="12" creationId="{46BEE80B-A1E3-3078-7B51-6B8B638ED510}"/>
-          </ac:cxnSpMkLst>
-        </pc:cxnChg>
-        <pc:cxnChg chg="add mod topLvl">
-          <ac:chgData name="Srinivasa Rao" userId="a6b54366-f13d-4292-8bb4-f06c50909b1e" providerId="ADAL" clId="{385DF428-08F5-EA40-8E12-3B8141233526}" dt="2024-01-22T20:10:10.232" v="164" actId="1038"/>
-          <ac:cxnSpMkLst>
-            <pc:docMk/>
-            <pc:sldMk cId="0" sldId="260"/>
-            <ac:cxnSpMk id="13" creationId="{E5D58D1D-90A0-9FBF-9560-CCDB9F88133A}"/>
-          </ac:cxnSpMkLst>
-        </pc:cxnChg>
-      </pc:sldChg>
-      <pc:sldChg chg="addSp delSp modSp mod modAnim">
-        <pc:chgData name="Srinivasa Rao" userId="a6b54366-f13d-4292-8bb4-f06c50909b1e" providerId="ADAL" clId="{385DF428-08F5-EA40-8E12-3B8141233526}" dt="2024-01-22T20:30:41.648" v="473" actId="478"/>
-        <pc:sldMkLst>
-          <pc:docMk/>
-          <pc:sldMk cId="0" sldId="261"/>
-        </pc:sldMkLst>
-        <pc:spChg chg="add mod">
-          <ac:chgData name="Srinivasa Rao" userId="a6b54366-f13d-4292-8bb4-f06c50909b1e" providerId="ADAL" clId="{385DF428-08F5-EA40-8E12-3B8141233526}" dt="2024-01-22T20:26:26.609" v="390" actId="403"/>
-          <ac:spMkLst>
-            <pc:docMk/>
-            <pc:sldMk cId="0" sldId="261"/>
-            <ac:spMk id="2" creationId="{111405FD-9846-3D4D-A348-4BF0DC04BFD1}"/>
-          </ac:spMkLst>
-        </pc:spChg>
-        <pc:spChg chg="add mod">
-          <ac:chgData name="Srinivasa Rao" userId="a6b54366-f13d-4292-8bb4-f06c50909b1e" providerId="ADAL" clId="{385DF428-08F5-EA40-8E12-3B8141233526}" dt="2024-01-22T20:26:15.095" v="389" actId="404"/>
-          <ac:spMkLst>
-            <pc:docMk/>
-            <pc:sldMk cId="0" sldId="261"/>
-            <ac:spMk id="3" creationId="{7280B5BE-3263-FB6D-24D2-DCB538E2D876}"/>
-          </ac:spMkLst>
-        </pc:spChg>
-        <pc:spChg chg="add mod">
-          <ac:chgData name="Srinivasa Rao" userId="a6b54366-f13d-4292-8bb4-f06c50909b1e" providerId="ADAL" clId="{385DF428-08F5-EA40-8E12-3B8141233526}" dt="2024-01-22T20:26:51.809" v="406" actId="404"/>
-          <ac:spMkLst>
-            <pc:docMk/>
-            <pc:sldMk cId="0" sldId="261"/>
-            <ac:spMk id="4" creationId="{E6C066FD-5FF0-4F85-6D37-0F7D526A2FA2}"/>
-          </ac:spMkLst>
-        </pc:spChg>
-        <pc:spChg chg="add mod">
-          <ac:chgData name="Srinivasa Rao" userId="a6b54366-f13d-4292-8bb4-f06c50909b1e" providerId="ADAL" clId="{385DF428-08F5-EA40-8E12-3B8141233526}" dt="2024-01-22T20:22:33.659" v="344"/>
-          <ac:spMkLst>
-            <pc:docMk/>
-            <pc:sldMk cId="0" sldId="261"/>
-            <ac:spMk id="5" creationId="{879BE87F-41FB-C197-3290-3C04F94141A4}"/>
-          </ac:spMkLst>
-        </pc:spChg>
-        <pc:spChg chg="add mod">
-          <ac:chgData name="Srinivasa Rao" userId="a6b54366-f13d-4292-8bb4-f06c50909b1e" providerId="ADAL" clId="{385DF428-08F5-EA40-8E12-3B8141233526}" dt="2024-01-22T20:27:03.509" v="422" actId="404"/>
-          <ac:spMkLst>
-            <pc:docMk/>
-            <pc:sldMk cId="0" sldId="261"/>
-            <ac:spMk id="6" creationId="{967A144A-61CD-8AFF-8BD1-467357D1B224}"/>
-          </ac:spMkLst>
-        </pc:spChg>
-        <pc:spChg chg="add mod">
-          <ac:chgData name="Srinivasa Rao" userId="a6b54366-f13d-4292-8bb4-f06c50909b1e" providerId="ADAL" clId="{385DF428-08F5-EA40-8E12-3B8141233526}" dt="2024-01-22T20:27:16.042" v="438" actId="404"/>
-          <ac:spMkLst>
-            <pc:docMk/>
-            <pc:sldMk cId="0" sldId="261"/>
-            <ac:spMk id="7" creationId="{2BFC06A4-BE16-905C-441D-98F1EFC3A0CA}"/>
-          </ac:spMkLst>
-        </pc:spChg>
-        <pc:spChg chg="add mod">
-          <ac:chgData name="Srinivasa Rao" userId="a6b54366-f13d-4292-8bb4-f06c50909b1e" providerId="ADAL" clId="{385DF428-08F5-EA40-8E12-3B8141233526}" dt="2024-01-22T20:28:53.965" v="466" actId="1036"/>
-          <ac:spMkLst>
-            <pc:docMk/>
-            <pc:sldMk cId="0" sldId="261"/>
-            <ac:spMk id="27" creationId="{FF259007-E514-0D10-4C9A-FEC0D779FD30}"/>
-          </ac:spMkLst>
-        </pc:spChg>
-        <pc:spChg chg="add mod">
-          <ac:chgData name="Srinivasa Rao" userId="a6b54366-f13d-4292-8bb4-f06c50909b1e" providerId="ADAL" clId="{385DF428-08F5-EA40-8E12-3B8141233526}" dt="2024-01-22T20:27:43.527" v="448" actId="1076"/>
-          <ac:spMkLst>
-            <pc:docMk/>
-            <pc:sldMk cId="0" sldId="261"/>
-            <ac:spMk id="28" creationId="{FAC9BB56-0D42-3E69-81BE-24D69D8BA43A}"/>
-          </ac:spMkLst>
-        </pc:spChg>
-        <pc:spChg chg="add mod">
-          <ac:chgData name="Srinivasa Rao" userId="a6b54366-f13d-4292-8bb4-f06c50909b1e" providerId="ADAL" clId="{385DF428-08F5-EA40-8E12-3B8141233526}" dt="2024-01-22T20:28:06.124" v="456" actId="20577"/>
-          <ac:spMkLst>
-            <pc:docMk/>
-            <pc:sldMk cId="0" sldId="261"/>
-            <ac:spMk id="29" creationId="{819B59E6-C0E4-9965-D81A-005309928E7A}"/>
-          </ac:spMkLst>
-        </pc:spChg>
-        <pc:spChg chg="add mod">
-          <ac:chgData name="Srinivasa Rao" userId="a6b54366-f13d-4292-8bb4-f06c50909b1e" providerId="ADAL" clId="{385DF428-08F5-EA40-8E12-3B8141233526}" dt="2024-01-22T20:28:13.591" v="458" actId="1076"/>
-          <ac:spMkLst>
-            <pc:docMk/>
-            <pc:sldMk cId="0" sldId="261"/>
-            <ac:spMk id="30" creationId="{11767F5E-9A95-33C3-5653-45C4A859C7E5}"/>
-          </ac:spMkLst>
-        </pc:spChg>
-        <pc:picChg chg="del mod">
-          <ac:chgData name="Srinivasa Rao" userId="a6b54366-f13d-4292-8bb4-f06c50909b1e" providerId="ADAL" clId="{385DF428-08F5-EA40-8E12-3B8141233526}" dt="2024-01-22T20:30:41.648" v="473" actId="478"/>
-          <ac:picMkLst>
-            <pc:docMk/>
-            <pc:sldMk cId="0" sldId="261"/>
-            <ac:picMk id="245" creationId="{00000000-0000-0000-0000-000000000000}"/>
-          </ac:picMkLst>
-        </pc:picChg>
-        <pc:cxnChg chg="add mod">
-          <ac:chgData name="Srinivasa Rao" userId="a6b54366-f13d-4292-8bb4-f06c50909b1e" providerId="ADAL" clId="{385DF428-08F5-EA40-8E12-3B8141233526}" dt="2024-01-22T20:24:04.227" v="357" actId="13822"/>
-          <ac:cxnSpMkLst>
-            <pc:docMk/>
-            <pc:sldMk cId="0" sldId="261"/>
-            <ac:cxnSpMk id="9" creationId="{AF50A5CE-1508-3D2B-187D-A9B7CAD73810}"/>
-          </ac:cxnSpMkLst>
-        </pc:cxnChg>
-        <pc:cxnChg chg="add mod">
-          <ac:chgData name="Srinivasa Rao" userId="a6b54366-f13d-4292-8bb4-f06c50909b1e" providerId="ADAL" clId="{385DF428-08F5-EA40-8E12-3B8141233526}" dt="2024-01-22T20:24:16.076" v="359" actId="13822"/>
-          <ac:cxnSpMkLst>
-            <pc:docMk/>
-            <pc:sldMk cId="0" sldId="261"/>
-            <ac:cxnSpMk id="12" creationId="{3308AB87-63D1-E2D6-4884-D545A6AB172D}"/>
-          </ac:cxnSpMkLst>
-        </pc:cxnChg>
-        <pc:cxnChg chg="add mod">
-          <ac:chgData name="Srinivasa Rao" userId="a6b54366-f13d-4292-8bb4-f06c50909b1e" providerId="ADAL" clId="{385DF428-08F5-EA40-8E12-3B8141233526}" dt="2024-01-22T20:27:50.874" v="449" actId="13822"/>
-          <ac:cxnSpMkLst>
-            <pc:docMk/>
-            <pc:sldMk cId="0" sldId="261"/>
-            <ac:cxnSpMk id="14" creationId="{859E68A9-E405-8AA7-270B-4293EA907089}"/>
-          </ac:cxnSpMkLst>
-        </pc:cxnChg>
-        <pc:cxnChg chg="add mod">
-          <ac:chgData name="Srinivasa Rao" userId="a6b54366-f13d-4292-8bb4-f06c50909b1e" providerId="ADAL" clId="{385DF428-08F5-EA40-8E12-3B8141233526}" dt="2024-01-22T20:24:40.676" v="362" actId="13822"/>
-          <ac:cxnSpMkLst>
-            <pc:docMk/>
-            <pc:sldMk cId="0" sldId="261"/>
-            <ac:cxnSpMk id="16" creationId="{7A25F485-ED86-9640-734D-F5966928BD36}"/>
-          </ac:cxnSpMkLst>
-        </pc:cxnChg>
-        <pc:cxnChg chg="add mod">
-          <ac:chgData name="Srinivasa Rao" userId="a6b54366-f13d-4292-8bb4-f06c50909b1e" providerId="ADAL" clId="{385DF428-08F5-EA40-8E12-3B8141233526}" dt="2024-01-22T20:24:50.526" v="364" actId="13822"/>
-          <ac:cxnSpMkLst>
-            <pc:docMk/>
-            <pc:sldMk cId="0" sldId="261"/>
-            <ac:cxnSpMk id="18" creationId="{E35C09D1-32DD-1E0D-BAEE-C91892C2DE2F}"/>
-          </ac:cxnSpMkLst>
-        </pc:cxnChg>
-        <pc:cxnChg chg="add mod">
-          <ac:chgData name="Srinivasa Rao" userId="a6b54366-f13d-4292-8bb4-f06c50909b1e" providerId="ADAL" clId="{385DF428-08F5-EA40-8E12-3B8141233526}" dt="2024-01-22T20:24:59.459" v="366" actId="13822"/>
-          <ac:cxnSpMkLst>
-            <pc:docMk/>
-            <pc:sldMk cId="0" sldId="261"/>
-            <ac:cxnSpMk id="20" creationId="{EAEF57AA-DD4F-540E-F046-0DE171EFB6ED}"/>
-          </ac:cxnSpMkLst>
-        </pc:cxnChg>
-        <pc:cxnChg chg="add mod">
-          <ac:chgData name="Srinivasa Rao" userId="a6b54366-f13d-4292-8bb4-f06c50909b1e" providerId="ADAL" clId="{385DF428-08F5-EA40-8E12-3B8141233526}" dt="2024-01-22T20:25:08.509" v="368" actId="13822"/>
-          <ac:cxnSpMkLst>
-            <pc:docMk/>
-            <pc:sldMk cId="0" sldId="261"/>
-            <ac:cxnSpMk id="22" creationId="{D219B9E1-98F4-B627-1037-002A4B892556}"/>
-          </ac:cxnSpMkLst>
-        </pc:cxnChg>
-        <pc:cxnChg chg="add mod">
-          <ac:chgData name="Srinivasa Rao" userId="a6b54366-f13d-4292-8bb4-f06c50909b1e" providerId="ADAL" clId="{385DF428-08F5-EA40-8E12-3B8141233526}" dt="2024-01-22T20:25:22.743" v="370" actId="13822"/>
-          <ac:cxnSpMkLst>
-            <pc:docMk/>
-            <pc:sldMk cId="0" sldId="261"/>
-            <ac:cxnSpMk id="24" creationId="{D4D26C92-35E2-2B33-7EDA-33FAAF2F65CB}"/>
-          </ac:cxnSpMkLst>
-        </pc:cxnChg>
-        <pc:cxnChg chg="add mod">
-          <ac:chgData name="Srinivasa Rao" userId="a6b54366-f13d-4292-8bb4-f06c50909b1e" providerId="ADAL" clId="{385DF428-08F5-EA40-8E12-3B8141233526}" dt="2024-01-22T20:25:37.692" v="372" actId="13822"/>
-          <ac:cxnSpMkLst>
-            <pc:docMk/>
-            <pc:sldMk cId="0" sldId="261"/>
-            <ac:cxnSpMk id="26" creationId="{507CD874-F511-9D29-CADD-61A0BD520EE0}"/>
-          </ac:cxnSpMkLst>
-        </pc:cxnChg>
-      </pc:sldChg>
-      <pc:sldChg chg="addSp delSp modSp mod modAnim">
-        <pc:chgData name="Srinivasa Rao" userId="a6b54366-f13d-4292-8bb4-f06c50909b1e" providerId="ADAL" clId="{385DF428-08F5-EA40-8E12-3B8141233526}" dt="2024-01-22T20:15:31.228" v="288" actId="478"/>
-        <pc:sldMkLst>
-          <pc:docMk/>
-          <pc:sldMk cId="0" sldId="262"/>
-        </pc:sldMkLst>
-        <pc:spChg chg="add mod">
-          <ac:chgData name="Srinivasa Rao" userId="a6b54366-f13d-4292-8bb4-f06c50909b1e" providerId="ADAL" clId="{385DF428-08F5-EA40-8E12-3B8141233526}" dt="2024-01-22T20:12:02.801" v="193" actId="1076"/>
-          <ac:spMkLst>
-            <pc:docMk/>
-            <pc:sldMk cId="0" sldId="262"/>
-            <ac:spMk id="2" creationId="{8DCC86B0-9368-9F36-17CA-355B376F202D}"/>
-          </ac:spMkLst>
-        </pc:spChg>
-        <pc:spChg chg="add mod">
-          <ac:chgData name="Srinivasa Rao" userId="a6b54366-f13d-4292-8bb4-f06c50909b1e" providerId="ADAL" clId="{385DF428-08F5-EA40-8E12-3B8141233526}" dt="2024-01-22T20:12:49.350" v="226" actId="404"/>
-          <ac:spMkLst>
-            <pc:docMk/>
-            <pc:sldMk cId="0" sldId="262"/>
-            <ac:spMk id="7" creationId="{007A683A-4A18-2710-86D7-5627B2A1154D}"/>
-          </ac:spMkLst>
-        </pc:spChg>
-        <pc:spChg chg="add mod">
-          <ac:chgData name="Srinivasa Rao" userId="a6b54366-f13d-4292-8bb4-f06c50909b1e" providerId="ADAL" clId="{385DF428-08F5-EA40-8E12-3B8141233526}" dt="2024-01-22T20:13:03.754" v="232" actId="1076"/>
-          <ac:spMkLst>
-            <pc:docMk/>
-            <pc:sldMk cId="0" sldId="262"/>
-            <ac:spMk id="8" creationId="{47DDC5AD-9D47-82B0-3E0F-031657796C39}"/>
-          </ac:spMkLst>
-        </pc:spChg>
-        <pc:spChg chg="add mod">
-          <ac:chgData name="Srinivasa Rao" userId="a6b54366-f13d-4292-8bb4-f06c50909b1e" providerId="ADAL" clId="{385DF428-08F5-EA40-8E12-3B8141233526}" dt="2024-01-22T20:13:26.071" v="258" actId="1036"/>
-          <ac:spMkLst>
-            <pc:docMk/>
-            <pc:sldMk cId="0" sldId="262"/>
-            <ac:spMk id="9" creationId="{FD8C3C49-8D95-0469-3025-7574C3ED0EBD}"/>
-          </ac:spMkLst>
-        </pc:spChg>
-        <pc:spChg chg="add mod">
-          <ac:chgData name="Srinivasa Rao" userId="a6b54366-f13d-4292-8bb4-f06c50909b1e" providerId="ADAL" clId="{385DF428-08F5-EA40-8E12-3B8141233526}" dt="2024-01-22T20:13:51.932" v="274" actId="1076"/>
-          <ac:spMkLst>
-            <pc:docMk/>
-            <pc:sldMk cId="0" sldId="262"/>
-            <ac:spMk id="10" creationId="{087317FC-4DEB-BE4F-225C-4BED5EAA4F06}"/>
-          </ac:spMkLst>
-        </pc:spChg>
-        <pc:spChg chg="add mod">
-          <ac:chgData name="Srinivasa Rao" userId="a6b54366-f13d-4292-8bb4-f06c50909b1e" providerId="ADAL" clId="{385DF428-08F5-EA40-8E12-3B8141233526}" dt="2024-01-22T20:14:53.265" v="284" actId="20577"/>
-          <ac:spMkLst>
-            <pc:docMk/>
-            <pc:sldMk cId="0" sldId="262"/>
-            <ac:spMk id="17" creationId="{377D58C0-193C-529E-FCFC-BC9807FAFCEF}"/>
-          </ac:spMkLst>
-        </pc:spChg>
-        <pc:picChg chg="del mod">
-          <ac:chgData name="Srinivasa Rao" userId="a6b54366-f13d-4292-8bb4-f06c50909b1e" providerId="ADAL" clId="{385DF428-08F5-EA40-8E12-3B8141233526}" dt="2024-01-22T20:15:31.228" v="288" actId="478"/>
-          <ac:picMkLst>
-            <pc:docMk/>
-            <pc:sldMk cId="0" sldId="262"/>
-            <ac:picMk id="250" creationId="{00000000-0000-0000-0000-000000000000}"/>
-          </ac:picMkLst>
-        </pc:picChg>
-        <pc:cxnChg chg="add del">
-          <ac:chgData name="Srinivasa Rao" userId="a6b54366-f13d-4292-8bb4-f06c50909b1e" providerId="ADAL" clId="{385DF428-08F5-EA40-8E12-3B8141233526}" dt="2024-01-22T20:12:13.558" v="195" actId="478"/>
-          <ac:cxnSpMkLst>
-            <pc:docMk/>
-            <pc:sldMk cId="0" sldId="262"/>
-            <ac:cxnSpMk id="4" creationId="{3F876F45-0E9E-8FFB-16DE-1282DFFCEB9E}"/>
-          </ac:cxnSpMkLst>
-        </pc:cxnChg>
-        <pc:cxnChg chg="add mod">
-          <ac:chgData name="Srinivasa Rao" userId="a6b54366-f13d-4292-8bb4-f06c50909b1e" providerId="ADAL" clId="{385DF428-08F5-EA40-8E12-3B8141233526}" dt="2024-01-22T20:12:30.834" v="198" actId="1076"/>
-          <ac:cxnSpMkLst>
-            <pc:docMk/>
-            <pc:sldMk cId="0" sldId="262"/>
-            <ac:cxnSpMk id="6" creationId="{A2ED956C-A0C7-576F-9E88-BA299E094450}"/>
-          </ac:cxnSpMkLst>
-        </pc:cxnChg>
-        <pc:cxnChg chg="add mod">
-          <ac:chgData name="Srinivasa Rao" userId="a6b54366-f13d-4292-8bb4-f06c50909b1e" providerId="ADAL" clId="{385DF428-08F5-EA40-8E12-3B8141233526}" dt="2024-01-22T20:14:17.582" v="278" actId="13822"/>
-          <ac:cxnSpMkLst>
-            <pc:docMk/>
-            <pc:sldMk cId="0" sldId="262"/>
-            <ac:cxnSpMk id="12" creationId="{79BB3D83-F809-9314-6F5F-8D44A95B8370}"/>
-          </ac:cxnSpMkLst>
-        </pc:cxnChg>
-        <pc:cxnChg chg="add mod">
-          <ac:chgData name="Srinivasa Rao" userId="a6b54366-f13d-4292-8bb4-f06c50909b1e" providerId="ADAL" clId="{385DF428-08F5-EA40-8E12-3B8141233526}" dt="2024-01-22T20:14:14.398" v="277" actId="13822"/>
-          <ac:cxnSpMkLst>
-            <pc:docMk/>
-            <pc:sldMk cId="0" sldId="262"/>
-            <ac:cxnSpMk id="14" creationId="{FA3BCE77-79B4-2F92-43DC-0F8D6E2D3900}"/>
-          </ac:cxnSpMkLst>
-        </pc:cxnChg>
-        <pc:cxnChg chg="add mod">
-          <ac:chgData name="Srinivasa Rao" userId="a6b54366-f13d-4292-8bb4-f06c50909b1e" providerId="ADAL" clId="{385DF428-08F5-EA40-8E12-3B8141233526}" dt="2024-01-22T20:14:40.164" v="280" actId="13822"/>
-          <ac:cxnSpMkLst>
-            <pc:docMk/>
-            <pc:sldMk cId="0" sldId="262"/>
-            <ac:cxnSpMk id="16" creationId="{E71E4CD4-3479-5BCD-F603-8E72A14A9EF4}"/>
-          </ac:cxnSpMkLst>
-        </pc:cxnChg>
-      </pc:sldChg>
-      <pc:sldChg chg="addSp delSp modSp mod modAnim">
-        <pc:chgData name="Srinivasa Rao" userId="a6b54366-f13d-4292-8bb4-f06c50909b1e" providerId="ADAL" clId="{385DF428-08F5-EA40-8E12-3B8141233526}" dt="2024-01-22T20:16:51.776" v="337" actId="478"/>
-        <pc:sldMkLst>
-          <pc:docMk/>
-          <pc:sldMk cId="0" sldId="263"/>
-        </pc:sldMkLst>
-        <pc:spChg chg="add mod">
-          <ac:chgData name="Srinivasa Rao" userId="a6b54366-f13d-4292-8bb4-f06c50909b1e" providerId="ADAL" clId="{385DF428-08F5-EA40-8E12-3B8141233526}" dt="2024-01-22T20:16:11.624" v="304" actId="20577"/>
-          <ac:spMkLst>
-            <pc:docMk/>
-            <pc:sldMk cId="0" sldId="263"/>
-            <ac:spMk id="2" creationId="{97D8FA68-4C72-1928-A32C-9FFE88E5FC8B}"/>
-          </ac:spMkLst>
-        </pc:spChg>
-        <pc:spChg chg="add mod">
-          <ac:chgData name="Srinivasa Rao" userId="a6b54366-f13d-4292-8bb4-f06c50909b1e" providerId="ADAL" clId="{385DF428-08F5-EA40-8E12-3B8141233526}" dt="2024-01-22T20:16:34.277" v="336" actId="20577"/>
-          <ac:spMkLst>
-            <pc:docMk/>
-            <pc:sldMk cId="0" sldId="263"/>
-            <ac:spMk id="4" creationId="{8B1B026D-896D-DCA8-3AE5-E60A6DE9BF7E}"/>
-          </ac:spMkLst>
-        </pc:spChg>
-        <pc:spChg chg="add mod">
-          <ac:chgData name="Srinivasa Rao" userId="a6b54366-f13d-4292-8bb4-f06c50909b1e" providerId="ADAL" clId="{385DF428-08F5-EA40-8E12-3B8141233526}" dt="2024-01-22T20:16:22.152" v="318" actId="20577"/>
-          <ac:spMkLst>
-            <pc:docMk/>
-            <pc:sldMk cId="0" sldId="263"/>
-            <ac:spMk id="5" creationId="{B9D6D43C-5BCB-E09D-D715-F374B77A1800}"/>
-          </ac:spMkLst>
-        </pc:spChg>
-        <pc:spChg chg="add mod">
-          <ac:chgData name="Srinivasa Rao" userId="a6b54366-f13d-4292-8bb4-f06c50909b1e" providerId="ADAL" clId="{385DF428-08F5-EA40-8E12-3B8141233526}" dt="2024-01-22T20:15:59.791" v="290"/>
-          <ac:spMkLst>
-            <pc:docMk/>
-            <pc:sldMk cId="0" sldId="263"/>
-            <ac:spMk id="6" creationId="{736540DC-39C1-7725-8CD2-FA95E9F96DAD}"/>
-          </ac:spMkLst>
-        </pc:spChg>
-        <pc:spChg chg="add mod">
-          <ac:chgData name="Srinivasa Rao" userId="a6b54366-f13d-4292-8bb4-f06c50909b1e" providerId="ADAL" clId="{385DF428-08F5-EA40-8E12-3B8141233526}" dt="2024-01-22T20:15:59.791" v="290"/>
-          <ac:spMkLst>
-            <pc:docMk/>
-            <pc:sldMk cId="0" sldId="263"/>
-            <ac:spMk id="7" creationId="{A87F99AE-D893-4BE0-A874-F955972C4024}"/>
-          </ac:spMkLst>
-        </pc:spChg>
-        <pc:spChg chg="add mod">
-          <ac:chgData name="Srinivasa Rao" userId="a6b54366-f13d-4292-8bb4-f06c50909b1e" providerId="ADAL" clId="{385DF428-08F5-EA40-8E12-3B8141233526}" dt="2024-01-22T20:16:19.340" v="313" actId="20577"/>
-          <ac:spMkLst>
-            <pc:docMk/>
-            <pc:sldMk cId="0" sldId="263"/>
-            <ac:spMk id="11" creationId="{894B205F-7AFC-0CA6-DD6B-BB72F67ED289}"/>
-          </ac:spMkLst>
-        </pc:spChg>
-        <pc:picChg chg="del mod">
-          <ac:chgData name="Srinivasa Rao" userId="a6b54366-f13d-4292-8bb4-f06c50909b1e" providerId="ADAL" clId="{385DF428-08F5-EA40-8E12-3B8141233526}" dt="2024-01-22T20:16:51.776" v="337" actId="478"/>
-          <ac:picMkLst>
-            <pc:docMk/>
-            <pc:sldMk cId="0" sldId="263"/>
-            <ac:picMk id="256" creationId="{00000000-0000-0000-0000-000000000000}"/>
-          </ac:picMkLst>
-        </pc:picChg>
-        <pc:cxnChg chg="add mod">
-          <ac:chgData name="Srinivasa Rao" userId="a6b54366-f13d-4292-8bb4-f06c50909b1e" providerId="ADAL" clId="{385DF428-08F5-EA40-8E12-3B8141233526}" dt="2024-01-22T20:15:59.791" v="290"/>
-          <ac:cxnSpMkLst>
-            <pc:docMk/>
-            <pc:sldMk cId="0" sldId="263"/>
-            <ac:cxnSpMk id="3" creationId="{309CC855-FBDF-53EA-ABEF-F0565ED77EED}"/>
-          </ac:cxnSpMkLst>
-        </pc:cxnChg>
-        <pc:cxnChg chg="add mod">
-          <ac:chgData name="Srinivasa Rao" userId="a6b54366-f13d-4292-8bb4-f06c50909b1e" providerId="ADAL" clId="{385DF428-08F5-EA40-8E12-3B8141233526}" dt="2024-01-22T20:15:59.791" v="290"/>
-          <ac:cxnSpMkLst>
-            <pc:docMk/>
-            <pc:sldMk cId="0" sldId="263"/>
-            <ac:cxnSpMk id="8" creationId="{001F4393-D8CF-9F39-030E-75A164BBBFA9}"/>
-          </ac:cxnSpMkLst>
-        </pc:cxnChg>
-        <pc:cxnChg chg="add mod">
-          <ac:chgData name="Srinivasa Rao" userId="a6b54366-f13d-4292-8bb4-f06c50909b1e" providerId="ADAL" clId="{385DF428-08F5-EA40-8E12-3B8141233526}" dt="2024-01-22T20:15:59.791" v="290"/>
-          <ac:cxnSpMkLst>
-            <pc:docMk/>
-            <pc:sldMk cId="0" sldId="263"/>
-            <ac:cxnSpMk id="9" creationId="{2348B543-8E85-07EE-6C50-E341065B3A90}"/>
-          </ac:cxnSpMkLst>
-        </pc:cxnChg>
-        <pc:cxnChg chg="add mod">
-          <ac:chgData name="Srinivasa Rao" userId="a6b54366-f13d-4292-8bb4-f06c50909b1e" providerId="ADAL" clId="{385DF428-08F5-EA40-8E12-3B8141233526}" dt="2024-01-22T20:15:59.791" v="290"/>
-          <ac:cxnSpMkLst>
-            <pc:docMk/>
-            <pc:sldMk cId="0" sldId="263"/>
-            <ac:cxnSpMk id="10" creationId="{CDBFE693-41FE-9C00-60FF-F948DF8DFAB0}"/>
-          </ac:cxnSpMkLst>
-        </pc:cxnChg>
-      </pc:sldChg>
-      <pc:sldChg chg="modSp mod">
-        <pc:chgData name="Srinivasa Rao" userId="a6b54366-f13d-4292-8bb4-f06c50909b1e" providerId="ADAL" clId="{385DF428-08F5-EA40-8E12-3B8141233526}" dt="2024-01-22T19:58:17.709" v="5" actId="20577"/>
-        <pc:sldMkLst>
-          <pc:docMk/>
-          <pc:sldMk cId="0" sldId="276"/>
-        </pc:sldMkLst>
-        <pc:spChg chg="mod">
-          <ac:chgData name="Srinivasa Rao" userId="a6b54366-f13d-4292-8bb4-f06c50909b1e" providerId="ADAL" clId="{385DF428-08F5-EA40-8E12-3B8141233526}" dt="2024-01-22T19:58:17.709" v="5" actId="20577"/>
-          <ac:spMkLst>
-            <pc:docMk/>
-            <pc:sldMk cId="0" sldId="276"/>
-            <ac:spMk id="229" creationId="{00000000-0000-0000-0000-000000000000}"/>
-          </ac:spMkLst>
-        </pc:spChg>
-      </pc:sldChg>
-    </pc:docChg>
-  </pc:docChgLst>
-  <pc:docChgLst>
-    <pc:chgData name="Srinivasa Rao" userId="a6b54366-f13d-4292-8bb4-f06c50909b1e" providerId="ADAL" clId="{378B93FA-5923-EB42-BD2A-6ECA56CFD573}"/>
-    <pc:docChg chg="modSld">
-      <pc:chgData name="Srinivasa Rao" userId="a6b54366-f13d-4292-8bb4-f06c50909b1e" providerId="ADAL" clId="{378B93FA-5923-EB42-BD2A-6ECA56CFD573}" dt="2024-06-10T21:53:06.567" v="13" actId="20577"/>
-      <pc:docMkLst>
-        <pc:docMk/>
-      </pc:docMkLst>
-      <pc:sldChg chg="modSp mod">
-        <pc:chgData name="Srinivasa Rao" userId="a6b54366-f13d-4292-8bb4-f06c50909b1e" providerId="ADAL" clId="{378B93FA-5923-EB42-BD2A-6ECA56CFD573}" dt="2024-06-10T21:53:06.567" v="13" actId="20577"/>
-        <pc:sldMkLst>
-          <pc:docMk/>
-          <pc:sldMk cId="0" sldId="256"/>
-        </pc:sldMkLst>
-        <pc:spChg chg="mod">
-          <ac:chgData name="Srinivasa Rao" userId="a6b54366-f13d-4292-8bb4-f06c50909b1e" providerId="ADAL" clId="{378B93FA-5923-EB42-BD2A-6ECA56CFD573}" dt="2024-06-10T21:53:06.567" v="13" actId="20577"/>
-          <ac:spMkLst>
-            <pc:docMk/>
-            <pc:sldMk cId="0" sldId="256"/>
-            <ac:spMk id="229" creationId="{00000000-0000-0000-0000-000000000000}"/>
-          </ac:spMkLst>
-        </pc:spChg>
-      </pc:sldChg>
-      <pc:sldChg chg="modSp mod">
-        <pc:chgData name="Srinivasa Rao" userId="a6b54366-f13d-4292-8bb4-f06c50909b1e" providerId="ADAL" clId="{378B93FA-5923-EB42-BD2A-6ECA56CFD573}" dt="2024-06-10T21:53:00.783" v="6" actId="20577"/>
-        <pc:sldMkLst>
-          <pc:docMk/>
-          <pc:sldMk cId="0" sldId="276"/>
-        </pc:sldMkLst>
-        <pc:spChg chg="mod">
-          <ac:chgData name="Srinivasa Rao" userId="a6b54366-f13d-4292-8bb4-f06c50909b1e" providerId="ADAL" clId="{378B93FA-5923-EB42-BD2A-6ECA56CFD573}" dt="2024-06-10T21:53:00.783" v="6" actId="20577"/>
-          <ac:spMkLst>
-            <pc:docMk/>
-            <pc:sldMk cId="0" sldId="276"/>
-            <ac:spMk id="229" creationId="{00000000-0000-0000-0000-000000000000}"/>
-          </ac:spMkLst>
-        </pc:spChg>
-      </pc:sldChg>
-    </pc:docChg>
-  </pc:docChgLst>
-</pc:chgInfo>
-</file>
-
 <file path=ppt/notesMasters/notesMaster1.xml><?xml version="1.0" encoding="utf-8"?>
 <p:notesMaster xmlns:a="http://schemas.openxmlformats.org/drawingml/2006/main" xmlns:r="http://schemas.openxmlformats.org/officeDocument/2006/relationships" xmlns:p="http://schemas.openxmlformats.org/presentationml/2006/main">
   <p:cSld>
@@ -1126,7 +224,7 @@
           <a:p>
             <a:fld id="{76288271-110E-284E-BDF5-E46245F1FF69}" type="datetimeFigureOut">
               <a:rPr lang="en-US" smtClean="0"/>
-              <a:t>11/11/24</a:t>
+              <a:t>2/10/25</a:t>
             </a:fld>
             <a:endParaRPr lang="en-US"/>
           </a:p>
@@ -5467,7 +4565,7 @@
           <a:p>
             <a:fld id="{AF87509E-A8CC-7D4A-9558-F93678A4FBA3}" type="datetimeFigureOut">
               <a:rPr lang="en-US" smtClean="0"/>
-              <a:t>11/11/24</a:t>
+              <a:t>2/10/25</a:t>
             </a:fld>
             <a:endParaRPr lang="en-US"/>
           </a:p>
@@ -13774,14 +12872,14 @@
               </a:tabLst>
             </a:pPr>
             <a:r>
-              <a:rPr lang="en-US" sz="3200" b="0" strike="noStrike" spc="-1" dirty="0">
+              <a:rPr lang="es-ES" sz="3200" b="0" strike="noStrike" spc="-1" dirty="0">
                 <a:solidFill>
                   <a:srgbClr val="8B8B8B"/>
                 </a:solidFill>
                 <a:latin typeface="Calibri"/>
                 <a:ea typeface="DejaVu Sans"/>
               </a:rPr>
-              <a:t>Bea &amp; Rao</a:t>
+              <a:t>Irina &amp; Bea</a:t>
             </a:r>
             <a:endParaRPr lang="en-GB" sz="3200" b="0" strike="noStrike" spc="-1" dirty="0">
               <a:latin typeface="Arial"/>
@@ -13807,7 +12905,7 @@
                 <a:latin typeface="Calibri"/>
                 <a:ea typeface="DejaVu Sans"/>
               </a:rPr>
-              <a:t>Michaelmas 2024</a:t>
+              <a:t>Hilary 2025</a:t>
             </a:r>
             <a:endParaRPr lang="en-GB" sz="3200" b="0" strike="noStrike" spc="-1" dirty="0">
               <a:latin typeface="Arial"/>
@@ -16264,7 +15362,7 @@
                 <a:latin typeface="Courier New"/>
                 <a:ea typeface="DejaVu Sans"/>
               </a:rPr>
-              <a:t>while (x=1){</a:t>
+              <a:t>while (x==1){</a:t>
             </a:r>
             <a:endParaRPr lang="en-GB" sz="1800" b="0" strike="noStrike" spc="-1" dirty="0">
               <a:latin typeface="Arial"/>
@@ -19773,14 +18871,14 @@
               </a:tabLst>
             </a:pPr>
             <a:r>
-              <a:rPr lang="en-US" sz="3200" b="0" strike="noStrike" spc="-1" dirty="0">
+              <a:rPr lang="es-ES" sz="3200" b="0" strike="noStrike" spc="-1" dirty="0">
                 <a:solidFill>
                   <a:srgbClr val="8B8B8B"/>
                 </a:solidFill>
                 <a:latin typeface="Calibri"/>
                 <a:ea typeface="DejaVu Sans"/>
               </a:rPr>
-              <a:t>Bea &amp; Rao</a:t>
+              <a:t>Irina &amp; Bea</a:t>
             </a:r>
             <a:endParaRPr lang="en-GB" sz="3200" b="0" strike="noStrike" spc="-1" dirty="0">
               <a:latin typeface="Arial"/>
@@ -19799,14 +18897,14 @@
               </a:tabLst>
             </a:pPr>
             <a:r>
-              <a:rPr lang="en-US" sz="3200" b="0" strike="noStrike" spc="-1">
+              <a:rPr lang="en-US" sz="3200" b="0" strike="noStrike" spc="-1" dirty="0">
                 <a:solidFill>
                   <a:srgbClr val="8B8B8B"/>
                 </a:solidFill>
                 <a:latin typeface="Calibri"/>
                 <a:ea typeface="DejaVu Sans"/>
               </a:rPr>
-              <a:t>Michaelmas 2024</a:t>
+              <a:t>Hilary 2025</a:t>
             </a:r>
             <a:endParaRPr lang="en-GB" sz="3200" b="0" strike="noStrike" spc="-1" dirty="0">
               <a:latin typeface="Arial"/>
